--- a/Project_Slide.pptx
+++ b/Project_Slide.pptx
@@ -286,7 +286,7 @@
       </p15:sldGuideLst>
     </p:ext>
     <p:ext uri="http://customooxmlschemas.google.com/">
-      <go:slidesCustomData xmlns:go="http://customooxmlschemas.google.com/" xmlns:ahyp="http://schemas.microsoft.com/office/drawing/2018/hyperlinkcolor" xmlns:p15="http://schemas.microsoft.com/office/powerpoint/2012/main" xmlns:p14="http://schemas.microsoft.com/office/powerpoint/2010/main" xmlns:com="http://schemas.openxmlformats.org/drawingml/2006/compatibility" xmlns:pvml="urn:schemas-microsoft-com:office:powerpoint" xmlns:v="urn:schemas-microsoft-com:vml" xmlns:o="urn:schemas-microsoft-com:office:office" xmlns:dgm="http://schemas.openxmlformats.org/drawingml/2006/diagram" xmlns:c="http://schemas.openxmlformats.org/drawingml/2006/chart" xmlns:mv="urn:schemas-microsoft-com:mac:vml" xmlns:mc="http://schemas.openxmlformats.org/markup-compatibility/2006" xmlns="" r:id="rId33" roundtripDataSignature="AMtx7mjHp18OCsHl2SJXusVxkr/pOBWOVg=="/>
+      <go:slidesCustomData xmlns="" xmlns:mc="http://schemas.openxmlformats.org/markup-compatibility/2006" xmlns:mv="urn:schemas-microsoft-com:mac:vml" xmlns:c="http://schemas.openxmlformats.org/drawingml/2006/chart" xmlns:dgm="http://schemas.openxmlformats.org/drawingml/2006/diagram" xmlns:o="urn:schemas-microsoft-com:office:office" xmlns:v="urn:schemas-microsoft-com:vml" xmlns:pvml="urn:schemas-microsoft-com:office:powerpoint" xmlns:com="http://schemas.openxmlformats.org/drawingml/2006/compatibility" xmlns:p14="http://schemas.microsoft.com/office/powerpoint/2010/main" xmlns:p15="http://schemas.microsoft.com/office/powerpoint/2012/main" xmlns:ahyp="http://schemas.microsoft.com/office/drawing/2018/hyperlinkcolor" xmlns:go="http://customooxmlschemas.google.com/" r:id="rId33" roundtripDataSignature="AMtx7mjHp18OCsHl2SJXusVxkr/pOBWOVg=="/>
     </p:ext>
   </p:extLst>
 </p:presentation>
@@ -16024,15 +16024,15 @@
       </p:sp>
       <p:pic>
         <p:nvPicPr>
-          <p:cNvPr id="2" name="Picture 1">
+          <p:cNvPr id="4" name="Picture 2" descr="No description available.">
             <a:extLst>
               <a:ext uri="{FF2B5EF4-FFF2-40B4-BE49-F238E27FC236}">
-                <a16:creationId xmlns:a16="http://schemas.microsoft.com/office/drawing/2014/main" id="{86915FE1-7946-F385-D34D-319A9C76D5A4}"/>
+                <a16:creationId xmlns:a16="http://schemas.microsoft.com/office/drawing/2014/main" id="{ECAB9D5B-8F82-F01B-7692-9EA4C6B83187}"/>
               </a:ext>
             </a:extLst>
           </p:cNvPr>
           <p:cNvPicPr>
-            <a:picLocks noChangeAspect="1"/>
+            <a:picLocks noChangeAspect="1" noChangeArrowheads="1"/>
           </p:cNvPicPr>
           <p:nvPr/>
         </p:nvPicPr>
@@ -16050,14 +16050,23 @@
           </a:stretch>
         </p:blipFill>
         <p:spPr bwMode="auto">
-          <a:xfrm flipH="1">
-            <a:off x="3451496" y="290993"/>
-            <a:ext cx="5451551" cy="4561513"/>
+          <a:xfrm>
+            <a:off x="2753073" y="326680"/>
+            <a:ext cx="5365994" cy="4490140"/>
           </a:xfrm>
           <a:prstGeom prst="rect">
             <a:avLst/>
           </a:prstGeom>
           <a:noFill/>
+          <a:extLst>
+            <a:ext uri="{909E8E84-426E-40DD-AFC4-6F175D3DCCD1}">
+              <a14:hiddenFill xmlns:a14="http://schemas.microsoft.com/office/drawing/2010/main">
+                <a:solidFill>
+                  <a:srgbClr val="FFFFFF"/>
+                </a:solidFill>
+              </a14:hiddenFill>
+            </a:ext>
+          </a:extLst>
         </p:spPr>
       </p:pic>
     </p:spTree>
